--- a/content/3-cc310/08-queues/03-queue-operations-slides.pptx
+++ b/content/3-cc310/08-queues/03-queue-operations-slides.pptx
@@ -236,7 +236,7 @@
           <a:p>
             <a:fld id="{7965C686-E975-4851-995B-B3B455D4CBEA}" type="datetimeFigureOut">
               <a:rPr lang="en-US" smtClean="0"/>
-              <a:t>3/26/2020</a:t>
+              <a:t>3/27/2020</a:t>
             </a:fld>
             <a:endParaRPr lang="en-US"/>
           </a:p>
@@ -5042,7 +5042,7 @@
           <a:p>
             <a:fld id="{6B9CC98C-563E-4F7D-9927-73EC4AAC1618}" type="datetimeFigureOut">
               <a:rPr lang="en-US" smtClean="0"/>
-              <a:t>3/26/2020</a:t>
+              <a:t>3/27/2020</a:t>
             </a:fld>
             <a:endParaRPr lang="en-US"/>
           </a:p>
@@ -5240,7 +5240,7 @@
           <a:p>
             <a:fld id="{6B9CC98C-563E-4F7D-9927-73EC4AAC1618}" type="datetimeFigureOut">
               <a:rPr lang="en-US" smtClean="0"/>
-              <a:t>3/26/2020</a:t>
+              <a:t>3/27/2020</a:t>
             </a:fld>
             <a:endParaRPr lang="en-US"/>
           </a:p>
@@ -5448,7 +5448,7 @@
           <a:p>
             <a:fld id="{6B9CC98C-563E-4F7D-9927-73EC4AAC1618}" type="datetimeFigureOut">
               <a:rPr lang="en-US" smtClean="0"/>
-              <a:t>3/26/2020</a:t>
+              <a:t>3/27/2020</a:t>
             </a:fld>
             <a:endParaRPr lang="en-US"/>
           </a:p>
@@ -5646,7 +5646,7 @@
           <a:p>
             <a:fld id="{6B9CC98C-563E-4F7D-9927-73EC4AAC1618}" type="datetimeFigureOut">
               <a:rPr lang="en-US" smtClean="0"/>
-              <a:t>3/26/2020</a:t>
+              <a:t>3/27/2020</a:t>
             </a:fld>
             <a:endParaRPr lang="en-US"/>
           </a:p>
@@ -5921,7 +5921,7 @@
           <a:p>
             <a:fld id="{6B9CC98C-563E-4F7D-9927-73EC4AAC1618}" type="datetimeFigureOut">
               <a:rPr lang="en-US" smtClean="0"/>
-              <a:t>3/26/2020</a:t>
+              <a:t>3/27/2020</a:t>
             </a:fld>
             <a:endParaRPr lang="en-US"/>
           </a:p>
@@ -6186,7 +6186,7 @@
           <a:p>
             <a:fld id="{6B9CC98C-563E-4F7D-9927-73EC4AAC1618}" type="datetimeFigureOut">
               <a:rPr lang="en-US" smtClean="0"/>
-              <a:t>3/26/2020</a:t>
+              <a:t>3/27/2020</a:t>
             </a:fld>
             <a:endParaRPr lang="en-US"/>
           </a:p>
@@ -6598,7 +6598,7 @@
           <a:p>
             <a:fld id="{6B9CC98C-563E-4F7D-9927-73EC4AAC1618}" type="datetimeFigureOut">
               <a:rPr lang="en-US" smtClean="0"/>
-              <a:t>3/26/2020</a:t>
+              <a:t>3/27/2020</a:t>
             </a:fld>
             <a:endParaRPr lang="en-US"/>
           </a:p>
@@ -6739,7 +6739,7 @@
           <a:p>
             <a:fld id="{6B9CC98C-563E-4F7D-9927-73EC4AAC1618}" type="datetimeFigureOut">
               <a:rPr lang="en-US" smtClean="0"/>
-              <a:t>3/26/2020</a:t>
+              <a:t>3/27/2020</a:t>
             </a:fld>
             <a:endParaRPr lang="en-US"/>
           </a:p>
@@ -6852,7 +6852,7 @@
           <a:p>
             <a:fld id="{6B9CC98C-563E-4F7D-9927-73EC4AAC1618}" type="datetimeFigureOut">
               <a:rPr lang="en-US" smtClean="0"/>
-              <a:t>3/26/2020</a:t>
+              <a:t>3/27/2020</a:t>
             </a:fld>
             <a:endParaRPr lang="en-US"/>
           </a:p>
@@ -7163,7 +7163,7 @@
           <a:p>
             <a:fld id="{6B9CC98C-563E-4F7D-9927-73EC4AAC1618}" type="datetimeFigureOut">
               <a:rPr lang="en-US" smtClean="0"/>
-              <a:t>3/26/2020</a:t>
+              <a:t>3/27/2020</a:t>
             </a:fld>
             <a:endParaRPr lang="en-US"/>
           </a:p>
@@ -7455,7 +7455,7 @@
           <a:p>
             <a:fld id="{6B9CC98C-563E-4F7D-9927-73EC4AAC1618}" type="datetimeFigureOut">
               <a:rPr lang="en-US" smtClean="0"/>
-              <a:t>3/26/2020</a:t>
+              <a:t>3/27/2020</a:t>
             </a:fld>
             <a:endParaRPr lang="en-US"/>
           </a:p>
@@ -7534,9 +7534,7 @@
     <p:bg>
       <p:bgPr>
         <a:solidFill>
-          <a:schemeClr val="bg1">
-            <a:lumMod val="85000"/>
-          </a:schemeClr>
+          <a:srgbClr val="C0C0C0"/>
         </a:solidFill>
         <a:effectLst/>
       </p:bgPr>
@@ -7703,7 +7701,7 @@
           <a:p>
             <a:fld id="{6B9CC98C-563E-4F7D-9927-73EC4AAC1618}" type="datetimeFigureOut">
               <a:rPr lang="en-US" smtClean="0"/>
-              <a:t>3/26/2020</a:t>
+              <a:t>3/27/2020</a:t>
             </a:fld>
             <a:endParaRPr lang="en-US"/>
           </a:p>
@@ -38584,12 +38582,21 @@
 </file>
 
 <file path=customXml/item1.xml><?xml version="1.0" encoding="utf-8"?>
+<?mso-contentType ?>
+<FormTemplates xmlns="http://schemas.microsoft.com/sharepoint/v3/contenttype/forms">
+  <Display>DocumentLibraryForm</Display>
+  <Edit>DocumentLibraryForm</Edit>
+  <New>DocumentLibraryForm</New>
+</FormTemplates>
+</file>
+
+<file path=customXml/item2.xml><?xml version="1.0" encoding="utf-8"?>
 <p:properties xmlns:p="http://schemas.microsoft.com/office/2006/metadata/properties" xmlns:xsi="http://www.w3.org/2001/XMLSchema-instance" xmlns:pc="http://schemas.microsoft.com/office/infopath/2007/PartnerControls">
   <documentManagement/>
 </p:properties>
 </file>
 
-<file path=customXml/item2.xml><?xml version="1.0" encoding="utf-8"?>
+<file path=customXml/item3.xml><?xml version="1.0" encoding="utf-8"?>
 <ct:contentTypeSchema xmlns:ct="http://schemas.microsoft.com/office/2006/metadata/contentType" xmlns:ma="http://schemas.microsoft.com/office/2006/metadata/properties/metaAttributes" ct:_="" ma:_="" ma:contentTypeName="Document" ma:contentTypeID="0x01010083F0F5F090D6FE4C9D66FF879A7CC7B3" ma:contentTypeVersion="9" ma:contentTypeDescription="Create a new document." ma:contentTypeScope="" ma:versionID="606f2283565418712a5a3267706a5f5d">
   <xsd:schema xmlns:xsd="http://www.w3.org/2001/XMLSchema" xmlns:xs="http://www.w3.org/2001/XMLSchema" xmlns:p="http://schemas.microsoft.com/office/2006/metadata/properties" xmlns:ns2="58c44ba5-51a4-40bc-b9f0-9fe2032e2130" targetNamespace="http://schemas.microsoft.com/office/2006/metadata/properties" ma:root="true" ma:fieldsID="0d021ce73d87f7988edb471f4256858c" ns2:_="">
     <xsd:import namespace="58c44ba5-51a4-40bc-b9f0-9fe2032e2130"/>
@@ -38767,16 +38774,15 @@
 </ct:contentTypeSchema>
 </file>
 
-<file path=customXml/item3.xml><?xml version="1.0" encoding="utf-8"?>
-<?mso-contentType ?>
-<FormTemplates xmlns="http://schemas.microsoft.com/sharepoint/v3/contenttype/forms">
-  <Display>DocumentLibraryForm</Display>
-  <Edit>DocumentLibraryForm</Edit>
-  <New>DocumentLibraryForm</New>
-</FormTemplates>
+<file path=customXml/itemProps1.xml><?xml version="1.0" encoding="utf-8"?>
+<ds:datastoreItem xmlns:ds="http://schemas.openxmlformats.org/officeDocument/2006/customXml" ds:itemID="{9D39D168-5068-4F3A-AB26-715CA47DC6EB}">
+  <ds:schemaRefs>
+    <ds:schemaRef ds:uri="http://schemas.microsoft.com/sharepoint/v3/contenttype/forms"/>
+  </ds:schemaRefs>
+</ds:datastoreItem>
 </file>
 
-<file path=customXml/itemProps1.xml><?xml version="1.0" encoding="utf-8"?>
+<file path=customXml/itemProps2.xml><?xml version="1.0" encoding="utf-8"?>
 <ds:datastoreItem xmlns:ds="http://schemas.openxmlformats.org/officeDocument/2006/customXml" ds:itemID="{7D935D53-2294-4255-8623-0EA54F719802}">
   <ds:schemaRefs>
     <ds:schemaRef ds:uri="http://purl.org/dc/elements/1.1/"/>
@@ -38792,7 +38798,7 @@
 </ds:datastoreItem>
 </file>
 
-<file path=customXml/itemProps2.xml><?xml version="1.0" encoding="utf-8"?>
+<file path=customXml/itemProps3.xml><?xml version="1.0" encoding="utf-8"?>
 <ds:datastoreItem xmlns:ds="http://schemas.openxmlformats.org/officeDocument/2006/customXml" ds:itemID="{09EA64C7-81B6-4807-89B0-C5F19C90BD7C}">
   <ds:schemaRefs>
     <ds:schemaRef ds:uri="http://schemas.microsoft.com/office/2006/metadata/contentType"/>
@@ -38808,12 +38814,4 @@
     <ds:schemaRef ds:uri="http://schemas.microsoft.com/internal/obd"/>
   </ds:schemaRefs>
 </ds:datastoreItem>
-</file>
-
-<file path=customXml/itemProps3.xml><?xml version="1.0" encoding="utf-8"?>
-<ds:datastoreItem xmlns:ds="http://schemas.openxmlformats.org/officeDocument/2006/customXml" ds:itemID="{9D39D168-5068-4F3A-AB26-715CA47DC6EB}">
-  <ds:schemaRefs>
-    <ds:schemaRef ds:uri="http://schemas.microsoft.com/sharepoint/v3/contenttype/forms"/>
-  </ds:schemaRefs>
-</ds:datastoreItem>
 </file>
--- a/content/3-cc310/08-queues/03-queue-operations-slides.pptx
+++ b/content/3-cc310/08-queues/03-queue-operations-slides.pptx
@@ -8102,7 +8102,7 @@
 </file>
 
 <file path=ppt/slides/slide1.xml><?xml version="1.0" encoding="utf-8"?>
-<p:sld xmlns:a="http://schemas.openxmlformats.org/drawingml/2006/main" xmlns:r="http://schemas.openxmlformats.org/officeDocument/2006/relationships" xmlns:p="http://schemas.openxmlformats.org/presentationml/2006/main">
+<p:sld xmlns:a="http://schemas.openxmlformats.org/drawingml/2006/main" xmlns:r="http://schemas.openxmlformats.org/officeDocument/2006/relationships" xmlns:p="http://schemas.openxmlformats.org/presentationml/2006/main" show="0">
   <p:cSld>
     <p:spTree>
       <p:nvGrpSpPr>

--- a/content/3-cc310/08-queues/03-queue-operations-slides.pptx
+++ b/content/3-cc310/08-queues/03-queue-operations-slides.pptx
@@ -236,7 +236,7 @@
           <a:p>
             <a:fld id="{7965C686-E975-4851-995B-B3B455D4CBEA}" type="datetimeFigureOut">
               <a:rPr lang="en-US" smtClean="0"/>
-              <a:t>3/27/2020</a:t>
+              <a:t>4/7/2020</a:t>
             </a:fld>
             <a:endParaRPr lang="en-US"/>
           </a:p>
@@ -5042,7 +5042,7 @@
           <a:p>
             <a:fld id="{6B9CC98C-563E-4F7D-9927-73EC4AAC1618}" type="datetimeFigureOut">
               <a:rPr lang="en-US" smtClean="0"/>
-              <a:t>3/27/2020</a:t>
+              <a:t>4/7/2020</a:t>
             </a:fld>
             <a:endParaRPr lang="en-US"/>
           </a:p>
@@ -5240,7 +5240,7 @@
           <a:p>
             <a:fld id="{6B9CC98C-563E-4F7D-9927-73EC4AAC1618}" type="datetimeFigureOut">
               <a:rPr lang="en-US" smtClean="0"/>
-              <a:t>3/27/2020</a:t>
+              <a:t>4/7/2020</a:t>
             </a:fld>
             <a:endParaRPr lang="en-US"/>
           </a:p>
@@ -5448,7 +5448,7 @@
           <a:p>
             <a:fld id="{6B9CC98C-563E-4F7D-9927-73EC4AAC1618}" type="datetimeFigureOut">
               <a:rPr lang="en-US" smtClean="0"/>
-              <a:t>3/27/2020</a:t>
+              <a:t>4/7/2020</a:t>
             </a:fld>
             <a:endParaRPr lang="en-US"/>
           </a:p>
@@ -5646,7 +5646,7 @@
           <a:p>
             <a:fld id="{6B9CC98C-563E-4F7D-9927-73EC4AAC1618}" type="datetimeFigureOut">
               <a:rPr lang="en-US" smtClean="0"/>
-              <a:t>3/27/2020</a:t>
+              <a:t>4/7/2020</a:t>
             </a:fld>
             <a:endParaRPr lang="en-US"/>
           </a:p>
@@ -5921,7 +5921,7 @@
           <a:p>
             <a:fld id="{6B9CC98C-563E-4F7D-9927-73EC4AAC1618}" type="datetimeFigureOut">
               <a:rPr lang="en-US" smtClean="0"/>
-              <a:t>3/27/2020</a:t>
+              <a:t>4/7/2020</a:t>
             </a:fld>
             <a:endParaRPr lang="en-US"/>
           </a:p>
@@ -6186,7 +6186,7 @@
           <a:p>
             <a:fld id="{6B9CC98C-563E-4F7D-9927-73EC4AAC1618}" type="datetimeFigureOut">
               <a:rPr lang="en-US" smtClean="0"/>
-              <a:t>3/27/2020</a:t>
+              <a:t>4/7/2020</a:t>
             </a:fld>
             <a:endParaRPr lang="en-US"/>
           </a:p>
@@ -6598,7 +6598,7 @@
           <a:p>
             <a:fld id="{6B9CC98C-563E-4F7D-9927-73EC4AAC1618}" type="datetimeFigureOut">
               <a:rPr lang="en-US" smtClean="0"/>
-              <a:t>3/27/2020</a:t>
+              <a:t>4/7/2020</a:t>
             </a:fld>
             <a:endParaRPr lang="en-US"/>
           </a:p>
@@ -6739,7 +6739,7 @@
           <a:p>
             <a:fld id="{6B9CC98C-563E-4F7D-9927-73EC4AAC1618}" type="datetimeFigureOut">
               <a:rPr lang="en-US" smtClean="0"/>
-              <a:t>3/27/2020</a:t>
+              <a:t>4/7/2020</a:t>
             </a:fld>
             <a:endParaRPr lang="en-US"/>
           </a:p>
@@ -6852,7 +6852,7 @@
           <a:p>
             <a:fld id="{6B9CC98C-563E-4F7D-9927-73EC4AAC1618}" type="datetimeFigureOut">
               <a:rPr lang="en-US" smtClean="0"/>
-              <a:t>3/27/2020</a:t>
+              <a:t>4/7/2020</a:t>
             </a:fld>
             <a:endParaRPr lang="en-US"/>
           </a:p>
@@ -7163,7 +7163,7 @@
           <a:p>
             <a:fld id="{6B9CC98C-563E-4F7D-9927-73EC4AAC1618}" type="datetimeFigureOut">
               <a:rPr lang="en-US" smtClean="0"/>
-              <a:t>3/27/2020</a:t>
+              <a:t>4/7/2020</a:t>
             </a:fld>
             <a:endParaRPr lang="en-US"/>
           </a:p>
@@ -7455,7 +7455,7 @@
           <a:p>
             <a:fld id="{6B9CC98C-563E-4F7D-9927-73EC4AAC1618}" type="datetimeFigureOut">
               <a:rPr lang="en-US" smtClean="0"/>
-              <a:t>3/27/2020</a:t>
+              <a:t>4/7/2020</a:t>
             </a:fld>
             <a:endParaRPr lang="en-US"/>
           </a:p>
@@ -7701,7 +7701,7 @@
           <a:p>
             <a:fld id="{6B9CC98C-563E-4F7D-9927-73EC4AAC1618}" type="datetimeFigureOut">
               <a:rPr lang="en-US" smtClean="0"/>
-              <a:t>3/27/2020</a:t>
+              <a:t>4/7/2020</a:t>
             </a:fld>
             <a:endParaRPr lang="en-US"/>
           </a:p>
@@ -18999,7 +18999,7 @@
             </a:pPr>
             <a:r>
               <a:rPr lang="en-US" sz="2400" dirty="0" err="1"/>
-              <a:t>isEmtpy</a:t>
+              <a:t>isEmpty</a:t>
             </a:r>
             <a:r>
               <a:rPr lang="en-US" sz="2400" dirty="0"/>
@@ -19234,7 +19234,7 @@
             </a:pPr>
             <a:r>
               <a:rPr lang="en-US" sz="2400" dirty="0" err="1"/>
-              <a:t>isEmtpy</a:t>
+              <a:t>isEmpty</a:t>
             </a:r>
             <a:r>
               <a:rPr lang="en-US" sz="2400" dirty="0"/>
@@ -20259,7 +20259,7 @@
             </a:pPr>
             <a:r>
               <a:rPr lang="en-US" sz="2400" dirty="0" err="1"/>
-              <a:t>isEmtpy</a:t>
+              <a:t>isEmpty</a:t>
             </a:r>
             <a:r>
               <a:rPr lang="en-US" sz="2400" dirty="0"/>
@@ -28561,7 +28561,7 @@
               <a:pPr algn="ctr"/>
               <a:r>
                 <a:rPr lang="en-US" dirty="0"/>
-                <a:t>0</a:t>
+                <a:t>3</a:t>
               </a:r>
             </a:p>
           </p:txBody>
@@ -28608,7 +28608,7 @@
               <a:pPr algn="ctr"/>
               <a:r>
                 <a:rPr lang="en-US" sz="1600" dirty="0"/>
-                <a:t>-1</a:t>
+                <a:t>0</a:t>
               </a:r>
             </a:p>
           </p:txBody>
@@ -38582,21 +38582,12 @@
 </file>
 
 <file path=customXml/item1.xml><?xml version="1.0" encoding="utf-8"?>
-<?mso-contentType ?>
-<FormTemplates xmlns="http://schemas.microsoft.com/sharepoint/v3/contenttype/forms">
-  <Display>DocumentLibraryForm</Display>
-  <Edit>DocumentLibraryForm</Edit>
-  <New>DocumentLibraryForm</New>
-</FormTemplates>
-</file>
-
-<file path=customXml/item2.xml><?xml version="1.0" encoding="utf-8"?>
 <p:properties xmlns:p="http://schemas.microsoft.com/office/2006/metadata/properties" xmlns:xsi="http://www.w3.org/2001/XMLSchema-instance" xmlns:pc="http://schemas.microsoft.com/office/infopath/2007/PartnerControls">
   <documentManagement/>
 </p:properties>
 </file>
 
-<file path=customXml/item3.xml><?xml version="1.0" encoding="utf-8"?>
+<file path=customXml/item2.xml><?xml version="1.0" encoding="utf-8"?>
 <ct:contentTypeSchema xmlns:ct="http://schemas.microsoft.com/office/2006/metadata/contentType" xmlns:ma="http://schemas.microsoft.com/office/2006/metadata/properties/metaAttributes" ct:_="" ma:_="" ma:contentTypeName="Document" ma:contentTypeID="0x01010083F0F5F090D6FE4C9D66FF879A7CC7B3" ma:contentTypeVersion="9" ma:contentTypeDescription="Create a new document." ma:contentTypeScope="" ma:versionID="606f2283565418712a5a3267706a5f5d">
   <xsd:schema xmlns:xsd="http://www.w3.org/2001/XMLSchema" xmlns:xs="http://www.w3.org/2001/XMLSchema" xmlns:p="http://schemas.microsoft.com/office/2006/metadata/properties" xmlns:ns2="58c44ba5-51a4-40bc-b9f0-9fe2032e2130" targetNamespace="http://schemas.microsoft.com/office/2006/metadata/properties" ma:root="true" ma:fieldsID="0d021ce73d87f7988edb471f4256858c" ns2:_="">
     <xsd:import namespace="58c44ba5-51a4-40bc-b9f0-9fe2032e2130"/>
@@ -38774,15 +38765,16 @@
 </ct:contentTypeSchema>
 </file>
 
-<file path=customXml/itemProps1.xml><?xml version="1.0" encoding="utf-8"?>
-<ds:datastoreItem xmlns:ds="http://schemas.openxmlformats.org/officeDocument/2006/customXml" ds:itemID="{9D39D168-5068-4F3A-AB26-715CA47DC6EB}">
-  <ds:schemaRefs>
-    <ds:schemaRef ds:uri="http://schemas.microsoft.com/sharepoint/v3/contenttype/forms"/>
-  </ds:schemaRefs>
-</ds:datastoreItem>
+<file path=customXml/item3.xml><?xml version="1.0" encoding="utf-8"?>
+<?mso-contentType ?>
+<FormTemplates xmlns="http://schemas.microsoft.com/sharepoint/v3/contenttype/forms">
+  <Display>DocumentLibraryForm</Display>
+  <Edit>DocumentLibraryForm</Edit>
+  <New>DocumentLibraryForm</New>
+</FormTemplates>
 </file>
 
-<file path=customXml/itemProps2.xml><?xml version="1.0" encoding="utf-8"?>
+<file path=customXml/itemProps1.xml><?xml version="1.0" encoding="utf-8"?>
 <ds:datastoreItem xmlns:ds="http://schemas.openxmlformats.org/officeDocument/2006/customXml" ds:itemID="{7D935D53-2294-4255-8623-0EA54F719802}">
   <ds:schemaRefs>
     <ds:schemaRef ds:uri="http://purl.org/dc/elements/1.1/"/>
@@ -38798,7 +38790,7 @@
 </ds:datastoreItem>
 </file>
 
-<file path=customXml/itemProps3.xml><?xml version="1.0" encoding="utf-8"?>
+<file path=customXml/itemProps2.xml><?xml version="1.0" encoding="utf-8"?>
 <ds:datastoreItem xmlns:ds="http://schemas.openxmlformats.org/officeDocument/2006/customXml" ds:itemID="{09EA64C7-81B6-4807-89B0-C5F19C90BD7C}">
   <ds:schemaRefs>
     <ds:schemaRef ds:uri="http://schemas.microsoft.com/office/2006/metadata/contentType"/>
@@ -38814,4 +38806,12 @@
     <ds:schemaRef ds:uri="http://schemas.microsoft.com/internal/obd"/>
   </ds:schemaRefs>
 </ds:datastoreItem>
+</file>
+
+<file path=customXml/itemProps3.xml><?xml version="1.0" encoding="utf-8"?>
+<ds:datastoreItem xmlns:ds="http://schemas.openxmlformats.org/officeDocument/2006/customXml" ds:itemID="{9D39D168-5068-4F3A-AB26-715CA47DC6EB}">
+  <ds:schemaRefs>
+    <ds:schemaRef ds:uri="http://schemas.microsoft.com/sharepoint/v3/contenttype/forms"/>
+  </ds:schemaRefs>
+</ds:datastoreItem>
 </file>